--- a/arcadeproject.pptx
+++ b/arcadeproject.pptx
@@ -545,7 +545,7 @@
           <a:p>
             <a:fld id="{53BEF823-48A5-43FC-BE03-E79964288B41}" type="datetimeFigureOut">
               <a:rPr lang="en-US" smtClean="0"/>
-              <a:t>1/14/2026</a:t>
+              <a:t>2/1/2026</a:t>
             </a:fld>
             <a:endParaRPr lang="en-US" dirty="0"/>
           </a:p>
@@ -756,7 +756,7 @@
             <a:fld id="{53BEF823-48A5-43FC-BE03-E79964288B41}" type="datetimeFigureOut">
               <a:rPr lang="en-US" smtClean="0"/>
               <a:pPr algn="r"/>
-              <a:t>1/14/2026</a:t>
+              <a:t>2/1/2026</a:t>
             </a:fld>
             <a:endParaRPr lang="en-US" dirty="0"/>
           </a:p>
@@ -971,7 +971,7 @@
             <a:fld id="{53BEF823-48A5-43FC-BE03-E79964288B41}" type="datetimeFigureOut">
               <a:rPr lang="en-US" smtClean="0"/>
               <a:pPr algn="r"/>
-              <a:t>1/14/2026</a:t>
+              <a:t>2/1/2026</a:t>
             </a:fld>
             <a:endParaRPr lang="en-US" dirty="0"/>
           </a:p>
@@ -1174,7 +1174,7 @@
             <a:fld id="{53BEF823-48A5-43FC-BE03-E79964288B41}" type="datetimeFigureOut">
               <a:rPr lang="en-US" smtClean="0"/>
               <a:pPr algn="r"/>
-              <a:t>1/14/2026</a:t>
+              <a:t>2/1/2026</a:t>
             </a:fld>
             <a:endParaRPr lang="en-US" dirty="0"/>
           </a:p>
@@ -1458,7 +1458,7 @@
             <a:fld id="{53BEF823-48A5-43FC-BE03-E79964288B41}" type="datetimeFigureOut">
               <a:rPr lang="en-US" smtClean="0"/>
               <a:pPr algn="r"/>
-              <a:t>1/14/2026</a:t>
+              <a:t>2/1/2026</a:t>
             </a:fld>
             <a:endParaRPr lang="en-US" dirty="0"/>
           </a:p>
@@ -1702,7 +1702,7 @@
             <a:fld id="{53BEF823-48A5-43FC-BE03-E79964288B41}" type="datetimeFigureOut">
               <a:rPr lang="en-US" smtClean="0"/>
               <a:pPr algn="r"/>
-              <a:t>1/14/2026</a:t>
+              <a:t>2/1/2026</a:t>
             </a:fld>
             <a:endParaRPr lang="en-US" dirty="0"/>
           </a:p>
@@ -2145,7 +2145,7 @@
             <a:fld id="{53BEF823-48A5-43FC-BE03-E79964288B41}" type="datetimeFigureOut">
               <a:rPr lang="en-US" smtClean="0"/>
               <a:pPr algn="r"/>
-              <a:t>1/14/2026</a:t>
+              <a:t>2/1/2026</a:t>
             </a:fld>
             <a:endParaRPr lang="en-US" dirty="0"/>
           </a:p>
@@ -2291,7 +2291,7 @@
             <a:fld id="{53BEF823-48A5-43FC-BE03-E79964288B41}" type="datetimeFigureOut">
               <a:rPr lang="en-US" smtClean="0"/>
               <a:pPr algn="r"/>
-              <a:t>1/14/2026</a:t>
+              <a:t>2/1/2026</a:t>
             </a:fld>
             <a:endParaRPr lang="en-US" dirty="0"/>
           </a:p>
@@ -2409,7 +2409,7 @@
             <a:fld id="{53BEF823-48A5-43FC-BE03-E79964288B41}" type="datetimeFigureOut">
               <a:rPr lang="en-US" smtClean="0"/>
               <a:pPr algn="r"/>
-              <a:t>1/14/2026</a:t>
+              <a:t>2/1/2026</a:t>
             </a:fld>
             <a:endParaRPr lang="en-US" dirty="0"/>
           </a:p>
@@ -2693,7 +2693,7 @@
             <a:fld id="{53BEF823-48A5-43FC-BE03-E79964288B41}" type="datetimeFigureOut">
               <a:rPr lang="en-US" smtClean="0"/>
               <a:pPr algn="r"/>
-              <a:t>1/14/2026</a:t>
+              <a:t>2/1/2026</a:t>
             </a:fld>
             <a:endParaRPr lang="en-US" dirty="0"/>
           </a:p>
@@ -2988,7 +2988,7 @@
             <a:fld id="{53BEF823-48A5-43FC-BE03-E79964288B41}" type="datetimeFigureOut">
               <a:rPr lang="en-US" smtClean="0"/>
               <a:pPr algn="r"/>
-              <a:t>1/14/2026</a:t>
+              <a:t>2/1/2026</a:t>
             </a:fld>
             <a:endParaRPr lang="en-US" dirty="0"/>
           </a:p>
@@ -3483,7 +3483,7 @@
             <a:fld id="{53BEF823-48A5-43FC-BE03-E79964288B41}" type="datetimeFigureOut">
               <a:rPr lang="en-US" smtClean="0"/>
               <a:pPr algn="r"/>
-              <a:t>1/14/2026</a:t>
+              <a:t>2/1/2026</a:t>
             </a:fld>
             <a:endParaRPr lang="en-US" dirty="0"/>
           </a:p>
@@ -4083,7 +4083,7 @@
               <a:rPr lang="ru-RU" sz="3200" dirty="0">
                 <a:latin typeface="Univers Condensed"/>
               </a:rPr>
-              <a:t>Это вертикальный платформер с восхождением вверх. Ваша цель забраться до финиша, избегая препятствий, сражаясь с врагами.</a:t>
+              <a:t>Это вертикальный платформер с восхождением вверх. Ваша цель забраться до финиша, избегая препятствий.</a:t>
             </a:r>
           </a:p>
         </p:txBody>
@@ -4597,11 +4597,16 @@
           <a:lstStyle/>
           <a:p>
             <a:r>
-              <a:rPr lang="ru-RU" sz="2800" dirty="0">
-                <a:latin typeface="Univers Condensed"/>
-              </a:rPr>
-              <a:t>В этой игре вы должны преодолеть врагов и собирать монетки, чтобы наконец-то выбраться из этого 2D мира</a:t>
-            </a:r>
+              <a:rPr lang="ru-RU" sz="2400" dirty="0"/>
+              <a:t>В этой игре вам предстоит взбираться вверх, преодолевать препятствия и собирать монетки, чтобы наконец выбраться из этого 2D-мира. Эта игра предназначена для </a:t>
+            </a:r>
+            <a:r>
+              <a:rPr lang="ru-RU" sz="2400" dirty="0" err="1"/>
+              <a:t>расслабленя</a:t>
+            </a:r>
+            <a:endParaRPr lang="ru-RU" sz="2800" dirty="0">
+              <a:latin typeface="Univers Condensed"/>
+            </a:endParaRPr>
           </a:p>
         </p:txBody>
       </p:sp>
@@ -5078,7 +5083,7 @@
           </a:bodyPr>
           <a:lstStyle/>
           <a:p>
-            <a:endParaRPr lang="ru-RU"/>
+            <a:endParaRPr lang="ru-RU" dirty="0"/>
           </a:p>
         </p:txBody>
       </p:sp>
@@ -5860,7 +5865,7 @@
               </a:rPr>
               <a:t>Проект был написан на Python 3.12, </a:t>
             </a:r>
-            <a:endParaRPr lang="ru-RU" sz="2800">
+            <a:endParaRPr lang="ru-RU" sz="2800" dirty="0">
               <a:latin typeface="Univers Condensed"/>
             </a:endParaRPr>
           </a:p>
@@ -5892,7 +5897,7 @@
           </a:p>
           <a:p>
             <a:pPr algn="ctr"/>
-            <a:endParaRPr lang="ru-RU"/>
+            <a:endParaRPr lang="ru-RU" dirty="0"/>
           </a:p>
         </p:txBody>
       </p:sp>
